--- a/Theatre_Seat_Occupancy.pptx
+++ b/Theatre_Seat_Occupancy.pptx
@@ -13,6 +13,7 @@
     <p:sldId id="261" r:id="rId7"/>
     <p:sldId id="262" r:id="rId8"/>
     <p:sldId id="263" r:id="rId9"/>
+    <p:sldId id="264" r:id="rId10"/>
   </p:sldIdLst>
   <p:sldSz cx="9144000" cy="6858000" type="screen4x3"/>
   <p:notesSz cx="6858000" cy="9144000"/>
@@ -279,7 +280,7 @@
           <a:p>
             <a:fld id="{5BCAD085-E8A6-8845-BD4E-CB4CCA059FC4}" type="datetimeFigureOut">
               <a:rPr lang="en-US" smtClean="0"/>
-              <a:t>3/7/2025</a:t>
+              <a:t>3/11/2025</a:t>
             </a:fld>
             <a:endParaRPr lang="en-US"/>
           </a:p>
@@ -479,7 +480,7 @@
           <a:p>
             <a:fld id="{5BCAD085-E8A6-8845-BD4E-CB4CCA059FC4}" type="datetimeFigureOut">
               <a:rPr lang="en-US" smtClean="0"/>
-              <a:t>3/7/2025</a:t>
+              <a:t>3/11/2025</a:t>
             </a:fld>
             <a:endParaRPr lang="en-US"/>
           </a:p>
@@ -689,7 +690,7 @@
           <a:p>
             <a:fld id="{5BCAD085-E8A6-8845-BD4E-CB4CCA059FC4}" type="datetimeFigureOut">
               <a:rPr lang="en-US" smtClean="0"/>
-              <a:t>3/7/2025</a:t>
+              <a:t>3/11/2025</a:t>
             </a:fld>
             <a:endParaRPr lang="en-US"/>
           </a:p>
@@ -889,7 +890,7 @@
           <a:p>
             <a:fld id="{5BCAD085-E8A6-8845-BD4E-CB4CCA059FC4}" type="datetimeFigureOut">
               <a:rPr lang="en-US" smtClean="0"/>
-              <a:t>3/7/2025</a:t>
+              <a:t>3/11/2025</a:t>
             </a:fld>
             <a:endParaRPr lang="en-US"/>
           </a:p>
@@ -1165,7 +1166,7 @@
           <a:p>
             <a:fld id="{5BCAD085-E8A6-8845-BD4E-CB4CCA059FC4}" type="datetimeFigureOut">
               <a:rPr lang="en-US" smtClean="0"/>
-              <a:t>3/7/2025</a:t>
+              <a:t>3/11/2025</a:t>
             </a:fld>
             <a:endParaRPr lang="en-US"/>
           </a:p>
@@ -1433,7 +1434,7 @@
           <a:p>
             <a:fld id="{5BCAD085-E8A6-8845-BD4E-CB4CCA059FC4}" type="datetimeFigureOut">
               <a:rPr lang="en-US" smtClean="0"/>
-              <a:t>3/7/2025</a:t>
+              <a:t>3/11/2025</a:t>
             </a:fld>
             <a:endParaRPr lang="en-US"/>
           </a:p>
@@ -1848,7 +1849,7 @@
           <a:p>
             <a:fld id="{5BCAD085-E8A6-8845-BD4E-CB4CCA059FC4}" type="datetimeFigureOut">
               <a:rPr lang="en-US" smtClean="0"/>
-              <a:t>3/7/2025</a:t>
+              <a:t>3/11/2025</a:t>
             </a:fld>
             <a:endParaRPr lang="en-US"/>
           </a:p>
@@ -1990,7 +1991,7 @@
           <a:p>
             <a:fld id="{5BCAD085-E8A6-8845-BD4E-CB4CCA059FC4}" type="datetimeFigureOut">
               <a:rPr lang="en-US" smtClean="0"/>
-              <a:t>3/7/2025</a:t>
+              <a:t>3/11/2025</a:t>
             </a:fld>
             <a:endParaRPr lang="en-US"/>
           </a:p>
@@ -2103,7 +2104,7 @@
           <a:p>
             <a:fld id="{5BCAD085-E8A6-8845-BD4E-CB4CCA059FC4}" type="datetimeFigureOut">
               <a:rPr lang="en-US" smtClean="0"/>
-              <a:t>3/7/2025</a:t>
+              <a:t>3/11/2025</a:t>
             </a:fld>
             <a:endParaRPr lang="en-US"/>
           </a:p>
@@ -2416,7 +2417,7 @@
           <a:p>
             <a:fld id="{5BCAD085-E8A6-8845-BD4E-CB4CCA059FC4}" type="datetimeFigureOut">
               <a:rPr lang="en-US" smtClean="0"/>
-              <a:t>3/7/2025</a:t>
+              <a:t>3/11/2025</a:t>
             </a:fld>
             <a:endParaRPr lang="en-US"/>
           </a:p>
@@ -2705,7 +2706,7 @@
           <a:p>
             <a:fld id="{5BCAD085-E8A6-8845-BD4E-CB4CCA059FC4}" type="datetimeFigureOut">
               <a:rPr lang="en-US" smtClean="0"/>
-              <a:t>3/7/2025</a:t>
+              <a:t>3/11/2025</a:t>
             </a:fld>
             <a:endParaRPr lang="en-US"/>
           </a:p>
@@ -2948,7 +2949,7 @@
           <a:p>
             <a:fld id="{5BCAD085-E8A6-8845-BD4E-CB4CCA059FC4}" type="datetimeFigureOut">
               <a:rPr lang="en-US" smtClean="0"/>
-              <a:t>3/7/2025</a:t>
+              <a:t>3/11/2025</a:t>
             </a:fld>
             <a:endParaRPr lang="en-US"/>
           </a:p>
@@ -3523,31 +3524,55 @@
           <a:lstStyle/>
           <a:p>
             <a:r>
+              <a:rPr dirty="0"/>
               <a:t>Goal: Predict the number of occupied seats for a movie showtime based on historical data and external factors.</a:t>
             </a:r>
           </a:p>
           <a:p>
-            <a:endParaRPr/>
-          </a:p>
-          <a:p>
-            <a:r>
+            <a:endParaRPr dirty="0"/>
+          </a:p>
+          <a:p>
+            <a:r>
+              <a:rPr dirty="0"/>
               <a:t>Use Cases:</a:t>
             </a:r>
           </a:p>
           <a:p>
             <a:r>
+              <a:rPr dirty="0"/>
               <a:t>✅ Optimize ticket pricing</a:t>
             </a:r>
           </a:p>
           <a:p>
             <a:r>
+              <a:rPr dirty="0"/>
               <a:t>✅ Improve theatre capacity planning</a:t>
             </a:r>
           </a:p>
           <a:p>
             <a:r>
+              <a:rPr dirty="0"/>
               <a:t>✅ Recommend optimal showtimes</a:t>
             </a:r>
+            <a:endParaRPr lang="en-IN" dirty="0"/>
+          </a:p>
+          <a:p>
+            <a:endParaRPr lang="en-IN" dirty="0"/>
+          </a:p>
+          <a:p>
+            <a:r>
+              <a:rPr lang="en-IN" dirty="0"/>
+              <a:t>Worked on this - Improved theatre capacity planning - by predicting </a:t>
+            </a:r>
+            <a:r>
+              <a:rPr lang="en-IN" dirty="0" err="1"/>
+              <a:t>ticket_sold</a:t>
+            </a:r>
+            <a:r>
+              <a:rPr lang="en-IN" dirty="0"/>
+              <a:t> based on relevant features.</a:t>
+            </a:r>
+            <a:endParaRPr dirty="0"/>
           </a:p>
         </p:txBody>
       </p:sp>
@@ -3613,26 +3638,31 @@
           <a:lstStyle/>
           <a:p>
             <a:r>
+              <a:rPr dirty="0"/>
               <a:t>Sources:</a:t>
             </a:r>
           </a:p>
           <a:p>
             <a:r>
+              <a:rPr dirty="0"/>
               <a:t>- Theatre booking data (ticket sales, occupancy rates)</a:t>
             </a:r>
           </a:p>
           <a:p>
             <a:r>
+              <a:rPr dirty="0"/>
               <a:t>- Movie metadata (IMDb API, genre, ratings)</a:t>
             </a:r>
           </a:p>
           <a:p>
             <a:r>
+              <a:rPr dirty="0"/>
               <a:t>- Showtime details (weekday/weekend, time)</a:t>
             </a:r>
           </a:p>
           <a:p>
             <a:r>
+              <a:rPr dirty="0"/>
               <a:t>- External factors (holidays, weather, competition)</a:t>
             </a:r>
           </a:p>
@@ -3824,31 +3854,61 @@
           <a:lstStyle/>
           <a:p>
             <a:r>
+              <a:rPr dirty="0"/>
               <a:t>Models Used:</a:t>
             </a:r>
           </a:p>
           <a:p>
             <a:r>
+              <a:rPr dirty="0"/>
               <a:t>✅ Linear Regression (Baseline)</a:t>
             </a:r>
           </a:p>
           <a:p>
             <a:r>
+              <a:rPr dirty="0"/>
               <a:t>✅ Random Forest Regressor (Feature Importance)</a:t>
             </a:r>
-          </a:p>
-          <a:p>
-            <a:r>
-              <a:t>✅ XGBoost/LightGBM (Performance Boost)</a:t>
-            </a:r>
-          </a:p>
-          <a:p>
-            <a:r>
+            <a:endParaRPr lang="en-IN" dirty="0"/>
+          </a:p>
+          <a:p>
+            <a:r>
+              <a:rPr lang="en-US" dirty="0"/>
+              <a:t>✅ Gradient Boost </a:t>
+            </a:r>
+            <a:endParaRPr dirty="0"/>
+          </a:p>
+          <a:p>
+            <a:r>
+              <a:rPr dirty="0"/>
+              <a:t>✅ </a:t>
+            </a:r>
+            <a:r>
+              <a:rPr dirty="0" err="1"/>
+              <a:t>XGBoost</a:t>
+            </a:r>
+            <a:r>
+              <a:rPr dirty="0"/>
+              <a:t>/</a:t>
+            </a:r>
+            <a:r>
+              <a:rPr dirty="0" err="1"/>
+              <a:t>LightGBM</a:t>
+            </a:r>
+            <a:r>
+              <a:rPr dirty="0"/>
+              <a:t> (Performance Boost)</a:t>
+            </a:r>
+          </a:p>
+          <a:p>
+            <a:r>
+              <a:rPr dirty="0"/>
               <a:t>✅ SARIMA (If time-series trends exist)</a:t>
             </a:r>
           </a:p>
           <a:p>
             <a:r>
+              <a:rPr dirty="0"/>
               <a:t>✅ LSTM (For deep learning-based sequential modeling)</a:t>
             </a:r>
           </a:p>
@@ -3916,39 +3976,59 @@
           <a:lstStyle/>
           <a:p>
             <a:r>
+              <a:rPr dirty="0"/>
               <a:t>Metrics:</a:t>
             </a:r>
           </a:p>
           <a:p>
             <a:r>
+              <a:rPr dirty="0"/>
               <a:t>- R² Score: Measures variance explanation</a:t>
             </a:r>
           </a:p>
           <a:p>
             <a:r>
+              <a:rPr dirty="0"/>
               <a:t>- MAE: Average prediction error</a:t>
             </a:r>
           </a:p>
           <a:p>
             <a:r>
+              <a:rPr dirty="0"/>
               <a:t>- RMSE: Penalizes large errors more</a:t>
             </a:r>
           </a:p>
           <a:p>
-            <a:endParaRPr/>
-          </a:p>
-          <a:p>
-            <a:r>
+            <a:endParaRPr dirty="0"/>
+          </a:p>
+          <a:p>
+            <a:r>
+              <a:rPr dirty="0"/>
               <a:t>Hyperparameter Tuning:</a:t>
             </a:r>
           </a:p>
           <a:p>
             <a:r>
-              <a:t>- Use GridSearchCV or Optuna</a:t>
-            </a:r>
-          </a:p>
-          <a:p>
-            <a:r>
+              <a:rPr dirty="0"/>
+              <a:t>- Use </a:t>
+            </a:r>
+            <a:r>
+              <a:rPr dirty="0" err="1"/>
+              <a:t>GridSearchCV</a:t>
+            </a:r>
+            <a:r>
+              <a:rPr dirty="0"/>
+              <a:t> or </a:t>
+            </a:r>
+            <a:r>
+              <a:rPr dirty="0" err="1"/>
+              <a:t>Optuna</a:t>
+            </a:r>
+            <a:endParaRPr dirty="0"/>
+          </a:p>
+          <a:p>
+            <a:r>
+              <a:rPr dirty="0"/>
               <a:t>- Tune learning rate, max depth, estimators</a:t>
             </a:r>
           </a:p>
@@ -4016,21 +4096,41 @@
           <a:lstStyle/>
           <a:p>
             <a:r>
+              <a:rPr dirty="0"/>
               <a:t>Deployment Options:</a:t>
             </a:r>
           </a:p>
           <a:p>
             <a:r>
-              <a:t>🚀 Flask/FastAPI-based API</a:t>
-            </a:r>
-          </a:p>
-          <a:p>
-            <a:r>
-              <a:t>📊 Dashboard with Streamlit or Power BI</a:t>
-            </a:r>
-          </a:p>
-          <a:p>
-            <a:r>
+              <a:rPr dirty="0"/>
+              <a:t>🚀 Flask/</a:t>
+            </a:r>
+            <a:r>
+              <a:rPr dirty="0" err="1"/>
+              <a:t>FastAPI</a:t>
+            </a:r>
+            <a:r>
+              <a:rPr dirty="0"/>
+              <a:t>-based API</a:t>
+            </a:r>
+          </a:p>
+          <a:p>
+            <a:r>
+              <a:rPr dirty="0"/>
+              <a:t>📊 Dashboard with </a:t>
+            </a:r>
+            <a:r>
+              <a:rPr dirty="0" err="1"/>
+              <a:t>Streamlit</a:t>
+            </a:r>
+            <a:r>
+              <a:rPr dirty="0"/>
+              <a:t> or Power BI</a:t>
+            </a:r>
+          </a:p>
+          <a:p>
+            <a:r>
+              <a:rPr dirty="0"/>
               <a:t>🔄 Regular model updates with real-time data</a:t>
             </a:r>
           </a:p>
@@ -4095,36 +4195,184 @@
         <p:spPr/>
         <p:txBody>
           <a:bodyPr>
+            <a:normAutofit lnSpcReduction="10000"/>
+          </a:bodyPr>
+          <a:lstStyle/>
+          <a:p>
+            <a:pPr marL="0" indent="0">
+              <a:buNone/>
+            </a:pPr>
+            <a:r>
+              <a:rPr lang="en-IN" b="1" dirty="0"/>
+              <a:t>Data – </a:t>
+            </a:r>
+          </a:p>
+          <a:p>
+            <a:r>
+              <a:rPr lang="en-IN" dirty="0"/>
+              <a:t>Movie and theatre data with strong correlation not publicly available </a:t>
+            </a:r>
+          </a:p>
+          <a:p>
+            <a:r>
+              <a:rPr lang="en-IN" dirty="0"/>
+              <a:t>Time/Event-specific recording not available </a:t>
+            </a:r>
+          </a:p>
+          <a:p>
+            <a:r>
+              <a:rPr lang="en-IN" dirty="0"/>
+              <a:t>Data quality and data sufficiency to support ML Model</a:t>
+            </a:r>
+          </a:p>
+          <a:p>
+            <a:endParaRPr lang="en-IN" dirty="0"/>
+          </a:p>
+          <a:p>
+            <a:pPr marL="0" indent="0">
+              <a:buNone/>
+            </a:pPr>
+            <a:r>
+              <a:rPr lang="en-IN" b="1" dirty="0"/>
+              <a:t>ML-Models - </a:t>
+            </a:r>
+          </a:p>
+          <a:p>
+            <a:r>
+              <a:rPr dirty="0"/>
+              <a:t>✅ Start with </a:t>
+            </a:r>
+            <a:r>
+              <a:rPr lang="en-IN" dirty="0"/>
+              <a:t>Simple Linear Regression to baseline model to predict </a:t>
+            </a:r>
+            <a:r>
+              <a:rPr lang="en-IN" dirty="0" err="1"/>
+              <a:t>ticket_sold</a:t>
+            </a:r>
+            <a:r>
+              <a:rPr lang="en-IN" dirty="0"/>
+              <a:t>.</a:t>
+            </a:r>
+          </a:p>
+          <a:p>
+            <a:r>
+              <a:rPr lang="en-US" dirty="0"/>
+              <a:t>✅</a:t>
+            </a:r>
+            <a:r>
+              <a:rPr dirty="0"/>
+              <a:t>Random Forest</a:t>
+            </a:r>
+            <a:r>
+              <a:rPr lang="en-IN" dirty="0"/>
+              <a:t>/ Gradient Boost to compare similar models and metrics</a:t>
+            </a:r>
+            <a:endParaRPr dirty="0"/>
+          </a:p>
+          <a:p>
+            <a:r>
+              <a:rPr dirty="0"/>
+              <a:t>✅ Explore LSTM for sequential trends</a:t>
+            </a:r>
+          </a:p>
+          <a:p>
+            <a:r>
+              <a:rPr dirty="0"/>
+              <a:t>✅ Deploy as an API for real-world integration</a:t>
+            </a:r>
+            <a:endParaRPr lang="en-IN" dirty="0"/>
+          </a:p>
+          <a:p>
+            <a:pPr marL="0" indent="0">
+              <a:buNone/>
+            </a:pPr>
+            <a:endParaRPr dirty="0"/>
+          </a:p>
+        </p:txBody>
+      </p:sp>
+    </p:spTree>
+  </p:cSld>
+  <p:clrMapOvr>
+    <a:masterClrMapping/>
+  </p:clrMapOvr>
+</p:sld>
+</file>
+
+<file path=ppt/slides/slide9.xml><?xml version="1.0" encoding="utf-8"?>
+<p:sld xmlns:a="http://schemas.openxmlformats.org/drawingml/2006/main" xmlns:r="http://schemas.openxmlformats.org/officeDocument/2006/relationships" xmlns:p="http://schemas.openxmlformats.org/presentationml/2006/main">
+  <p:cSld>
+    <p:spTree>
+      <p:nvGrpSpPr>
+        <p:cNvPr id="1" name="">
+          <a:extLst>
+            <a:ext uri="{FF2B5EF4-FFF2-40B4-BE49-F238E27FC236}">
+              <a16:creationId xmlns:a16="http://schemas.microsoft.com/office/drawing/2014/main" id="{EDB6AED1-D3FA-04F5-6EAA-D587F0534BE5}"/>
+            </a:ext>
+          </a:extLst>
+        </p:cNvPr>
+        <p:cNvGrpSpPr/>
+        <p:nvPr/>
+      </p:nvGrpSpPr>
+      <p:grpSpPr>
+        <a:xfrm>
+          <a:off x="0" y="0"/>
+          <a:ext cx="0" cy="0"/>
+          <a:chOff x="0" y="0"/>
+          <a:chExt cx="0" cy="0"/>
+        </a:xfrm>
+      </p:grpSpPr>
+      <p:sp>
+        <p:nvSpPr>
+          <p:cNvPr id="2" name="Title 1">
+            <a:extLst>
+              <a:ext uri="{FF2B5EF4-FFF2-40B4-BE49-F238E27FC236}">
+                <a16:creationId xmlns:a16="http://schemas.microsoft.com/office/drawing/2014/main" id="{F94FFD2B-5726-28EF-2478-514205C78094}"/>
+              </a:ext>
+            </a:extLst>
+          </p:cNvPr>
+          <p:cNvSpPr>
+            <a:spLocks noGrp="1"/>
+          </p:cNvSpPr>
+          <p:nvPr>
+            <p:ph type="title"/>
+          </p:nvPr>
+        </p:nvSpPr>
+        <p:spPr/>
+        <p:txBody>
+          <a:bodyPr/>
+          <a:lstStyle/>
+          <a:p>
+            <a:r>
+              <a:rPr dirty="0"/>
+              <a:t>Conclusion &amp; Next Steps</a:t>
+            </a:r>
+          </a:p>
+        </p:txBody>
+      </p:sp>
+      <p:sp>
+        <p:nvSpPr>
+          <p:cNvPr id="3" name="Content Placeholder 2">
+            <a:extLst>
+              <a:ext uri="{FF2B5EF4-FFF2-40B4-BE49-F238E27FC236}">
+                <a16:creationId xmlns:a16="http://schemas.microsoft.com/office/drawing/2014/main" id="{846B30D1-FB66-C4F4-4629-5893D93B9381}"/>
+              </a:ext>
+            </a:extLst>
+          </p:cNvPr>
+          <p:cNvSpPr>
+            <a:spLocks noGrp="1"/>
+          </p:cNvSpPr>
+          <p:nvPr>
+            <p:ph idx="1"/>
+          </p:nvPr>
+        </p:nvSpPr>
+        <p:spPr/>
+        <p:txBody>
+          <a:bodyPr>
             <a:normAutofit/>
           </a:bodyPr>
           <a:lstStyle/>
           <a:p>
-            <a:r>
-              <a:rPr dirty="0"/>
-              <a:t>✅ Start with </a:t>
-            </a:r>
-            <a:r>
-              <a:rPr dirty="0" err="1"/>
-              <a:t>XGBoost</a:t>
-            </a:r>
-            <a:r>
-              <a:rPr dirty="0"/>
-              <a:t>/Random Forest for structured data</a:t>
-            </a:r>
-          </a:p>
-          <a:p>
-            <a:r>
-              <a:rPr dirty="0"/>
-              <a:t>✅ Explore LSTM for sequential trends</a:t>
-            </a:r>
-          </a:p>
-          <a:p>
-            <a:r>
-              <a:rPr dirty="0"/>
-              <a:t>✅ Deploy as an API for real-world integration</a:t>
-            </a:r>
-          </a:p>
-          <a:p>
             <a:pPr marL="0" indent="0">
               <a:buNone/>
             </a:pPr>
@@ -4157,6 +4405,11 @@
         </p:txBody>
       </p:sp>
     </p:spTree>
+    <p:extLst>
+      <p:ext uri="{BB962C8B-B14F-4D97-AF65-F5344CB8AC3E}">
+        <p14:creationId xmlns:p14="http://schemas.microsoft.com/office/powerpoint/2010/main" val="1493097567"/>
+      </p:ext>
+    </p:extLst>
   </p:cSld>
   <p:clrMapOvr>
     <a:masterClrMapping/>

--- a/Theatre_Seat_Occupancy.pptx
+++ b/Theatre_Seat_Occupancy.pptx
@@ -14,6 +14,7 @@
     <p:sldId id="262" r:id="rId8"/>
     <p:sldId id="263" r:id="rId9"/>
     <p:sldId id="264" r:id="rId10"/>
+    <p:sldId id="265" r:id="rId11"/>
   </p:sldIdLst>
   <p:sldSz cx="9144000" cy="6858000" type="screen4x3"/>
   <p:notesSz cx="6858000" cy="9144000"/>
@@ -3470,6 +3471,169 @@
 </p:sld>
 </file>
 
+<file path=ppt/slides/slide10.xml><?xml version="1.0" encoding="utf-8"?>
+<p:sld xmlns:a="http://schemas.openxmlformats.org/drawingml/2006/main" xmlns:r="http://schemas.openxmlformats.org/officeDocument/2006/relationships" xmlns:p="http://schemas.openxmlformats.org/presentationml/2006/main">
+  <p:cSld>
+    <p:spTree>
+      <p:nvGrpSpPr>
+        <p:cNvPr id="1" name="">
+          <a:extLst>
+            <a:ext uri="{FF2B5EF4-FFF2-40B4-BE49-F238E27FC236}">
+              <a16:creationId xmlns:a16="http://schemas.microsoft.com/office/drawing/2014/main" id="{7F315F69-E677-545A-17AD-B144641FFA18}"/>
+            </a:ext>
+          </a:extLst>
+        </p:cNvPr>
+        <p:cNvGrpSpPr/>
+        <p:nvPr/>
+      </p:nvGrpSpPr>
+      <p:grpSpPr>
+        <a:xfrm>
+          <a:off x="0" y="0"/>
+          <a:ext cx="0" cy="0"/>
+          <a:chOff x="0" y="0"/>
+          <a:chExt cx="0" cy="0"/>
+        </a:xfrm>
+      </p:grpSpPr>
+      <p:sp>
+        <p:nvSpPr>
+          <p:cNvPr id="2" name="Title 1">
+            <a:extLst>
+              <a:ext uri="{FF2B5EF4-FFF2-40B4-BE49-F238E27FC236}">
+                <a16:creationId xmlns:a16="http://schemas.microsoft.com/office/drawing/2014/main" id="{41948953-7DFE-7236-6537-06B5D916D74A}"/>
+              </a:ext>
+            </a:extLst>
+          </p:cNvPr>
+          <p:cNvSpPr>
+            <a:spLocks noGrp="1"/>
+          </p:cNvSpPr>
+          <p:nvPr>
+            <p:ph type="title"/>
+          </p:nvPr>
+        </p:nvSpPr>
+        <p:spPr/>
+        <p:txBody>
+          <a:bodyPr/>
+          <a:lstStyle/>
+          <a:p>
+            <a:r>
+              <a:rPr dirty="0"/>
+              <a:t>Conclusion &amp; Next Steps</a:t>
+            </a:r>
+          </a:p>
+        </p:txBody>
+      </p:sp>
+      <p:sp>
+        <p:nvSpPr>
+          <p:cNvPr id="3" name="Content Placeholder 2">
+            <a:extLst>
+              <a:ext uri="{FF2B5EF4-FFF2-40B4-BE49-F238E27FC236}">
+                <a16:creationId xmlns:a16="http://schemas.microsoft.com/office/drawing/2014/main" id="{681B1386-96B0-0B79-9B3F-ED13187E375F}"/>
+              </a:ext>
+            </a:extLst>
+          </p:cNvPr>
+          <p:cNvSpPr>
+            <a:spLocks noGrp="1"/>
+          </p:cNvSpPr>
+          <p:nvPr>
+            <p:ph idx="1"/>
+          </p:nvPr>
+        </p:nvSpPr>
+        <p:spPr/>
+        <p:txBody>
+          <a:bodyPr>
+            <a:normAutofit/>
+          </a:bodyPr>
+          <a:lstStyle/>
+          <a:p>
+            <a:pPr marL="0" indent="0">
+              <a:buNone/>
+            </a:pPr>
+            <a:endParaRPr lang="en-IN" dirty="0"/>
+          </a:p>
+          <a:p>
+            <a:r>
+              <a:rPr lang="en-IN" b="1" dirty="0"/>
+              <a:t>Bias vs. variance </a:t>
+            </a:r>
+          </a:p>
+          <a:p>
+            <a:r>
+              <a:rPr lang="en-IN" dirty="0"/>
+              <a:t>Underfitting issue – Training + Test (Metrics not good)</a:t>
+            </a:r>
+          </a:p>
+          <a:p>
+            <a:r>
+              <a:rPr lang="en-IN" dirty="0"/>
+              <a:t>ML Model (</a:t>
+            </a:r>
+            <a:r>
+              <a:rPr lang="en-IN" dirty="0" err="1"/>
+              <a:t>ticket_sold</a:t>
+            </a:r>
+            <a:r>
+              <a:rPr lang="en-IN" dirty="0"/>
+              <a:t>&lt;- </a:t>
+            </a:r>
+            <a:r>
+              <a:rPr lang="en-IN" dirty="0" err="1"/>
+              <a:t>no_of_seats+type+no_screens</a:t>
+            </a:r>
+            <a:r>
+              <a:rPr lang="en-IN" dirty="0"/>
+              <a:t>)</a:t>
+            </a:r>
+          </a:p>
+          <a:p>
+            <a:endParaRPr lang="en-IN" dirty="0"/>
+          </a:p>
+          <a:p>
+            <a:r>
+              <a:rPr lang="en-IN" b="1" dirty="0"/>
+              <a:t>Ne</a:t>
+            </a:r>
+            <a:r>
+              <a:rPr b="1" dirty="0" err="1"/>
+              <a:t>xt</a:t>
+            </a:r>
+            <a:r>
+              <a:rPr b="1" dirty="0"/>
+              <a:t> Steps:</a:t>
+            </a:r>
+          </a:p>
+          <a:p>
+            <a:r>
+              <a:rPr dirty="0"/>
+              <a:t>- Enhance feature set with real-time ticket sales</a:t>
+            </a:r>
+          </a:p>
+          <a:p>
+            <a:r>
+              <a:rPr dirty="0"/>
+              <a:t>- Test model on new datasets</a:t>
+            </a:r>
+          </a:p>
+          <a:p>
+            <a:r>
+              <a:rPr dirty="0"/>
+              <a:t>- Optimize deployment for scalability</a:t>
+            </a:r>
+          </a:p>
+        </p:txBody>
+      </p:sp>
+    </p:spTree>
+    <p:extLst>
+      <p:ext uri="{BB962C8B-B14F-4D97-AF65-F5344CB8AC3E}">
+        <p14:creationId xmlns:p14="http://schemas.microsoft.com/office/powerpoint/2010/main" val="1728209372"/>
+      </p:ext>
+    </p:extLst>
+  </p:cSld>
+  <p:clrMapOvr>
+    <a:masterClrMapping/>
+  </p:clrMapOvr>
+</p:sld>
+</file>
+
 <file path=ppt/slides/slide2.xml><?xml version="1.0" encoding="utf-8"?>
 <p:sld xmlns:a="http://schemas.openxmlformats.org/drawingml/2006/main" xmlns:r="http://schemas.openxmlformats.org/officeDocument/2006/relationships" xmlns:p="http://schemas.openxmlformats.org/presentationml/2006/main">
   <p:cSld>
@@ -3572,6 +3736,33 @@
               <a:rPr lang="en-IN" dirty="0"/>
               <a:t> based on relevant features.</a:t>
             </a:r>
+          </a:p>
+          <a:p>
+            <a:r>
+              <a:rPr lang="en-IN" dirty="0"/>
+              <a:t>ML Model (</a:t>
+            </a:r>
+            <a:r>
+              <a:rPr lang="en-IN" dirty="0" err="1"/>
+              <a:t>ticket_sold</a:t>
+            </a:r>
+            <a:r>
+              <a:rPr lang="en-IN" dirty="0"/>
+              <a:t>&lt;- </a:t>
+            </a:r>
+            <a:r>
+              <a:rPr lang="en-IN" dirty="0" err="1"/>
+              <a:t>no_of_seats+type+no_screens</a:t>
+            </a:r>
+            <a:r>
+              <a:rPr lang="en-IN" dirty="0"/>
+              <a:t>)</a:t>
+            </a:r>
+          </a:p>
+          <a:p>
+            <a:endParaRPr lang="en-IN" dirty="0"/>
+          </a:p>
+          <a:p>
             <a:endParaRPr dirty="0"/>
           </a:p>
         </p:txBody>
@@ -4366,7 +4557,12 @@
             <p:ph idx="1"/>
           </p:nvPr>
         </p:nvSpPr>
-        <p:spPr/>
+        <p:spPr>
+          <a:xfrm>
+            <a:off x="628650" y="1485900"/>
+            <a:ext cx="7886700" cy="4691063"/>
+          </a:xfrm>
+        </p:spPr>
         <p:txBody>
           <a:bodyPr>
             <a:normAutofit/>
@@ -4376,34 +4572,91 @@
             <a:pPr marL="0" indent="0">
               <a:buNone/>
             </a:pPr>
-            <a:endParaRPr dirty="0"/>
-          </a:p>
-          <a:p>
-            <a:r>
-              <a:rPr dirty="0"/>
-              <a:t>Next Steps:</a:t>
-            </a:r>
-          </a:p>
-          <a:p>
-            <a:r>
-              <a:rPr dirty="0"/>
-              <a:t>- Enhance feature set with real-time ticket sales</a:t>
-            </a:r>
-          </a:p>
-          <a:p>
-            <a:r>
-              <a:rPr dirty="0"/>
-              <a:t>- Test model on new datasets</a:t>
-            </a:r>
-          </a:p>
-          <a:p>
-            <a:r>
-              <a:rPr dirty="0"/>
-              <a:t>- Optimize deployment for scalability</a:t>
-            </a:r>
-          </a:p>
-        </p:txBody>
-      </p:sp>
+            <a:r>
+              <a:rPr lang="en-IN" dirty="0"/>
+              <a:t>ML-Model – Metrics</a:t>
+            </a:r>
+          </a:p>
+          <a:p>
+            <a:pPr marL="0" indent="0">
+              <a:buNone/>
+            </a:pPr>
+            <a:endParaRPr lang="en-IN" dirty="0"/>
+          </a:p>
+          <a:p>
+            <a:endParaRPr lang="en-IN" dirty="0"/>
+          </a:p>
+          <a:p>
+            <a:endParaRPr lang="en-IN" dirty="0"/>
+          </a:p>
+          <a:p>
+            <a:endParaRPr lang="en-IN" dirty="0"/>
+          </a:p>
+          <a:p>
+            <a:endParaRPr lang="en-IN" dirty="0"/>
+          </a:p>
+        </p:txBody>
+      </p:sp>
+      <p:pic>
+        <p:nvPicPr>
+          <p:cNvPr id="5" name="Picture 4">
+            <a:extLst>
+              <a:ext uri="{FF2B5EF4-FFF2-40B4-BE49-F238E27FC236}">
+                <a16:creationId xmlns:a16="http://schemas.microsoft.com/office/drawing/2014/main" id="{D1769106-F6E6-B301-E0AE-12CF780B682A}"/>
+              </a:ext>
+            </a:extLst>
+          </p:cNvPr>
+          <p:cNvPicPr>
+            <a:picLocks noChangeAspect="1"/>
+          </p:cNvPicPr>
+          <p:nvPr/>
+        </p:nvPicPr>
+        <p:blipFill>
+          <a:blip r:embed="rId2"/>
+          <a:stretch>
+            <a:fillRect/>
+          </a:stretch>
+        </p:blipFill>
+        <p:spPr>
+          <a:xfrm>
+            <a:off x="628650" y="1958857"/>
+            <a:ext cx="6686550" cy="1470144"/>
+          </a:xfrm>
+          <a:prstGeom prst="rect">
+            <a:avLst/>
+          </a:prstGeom>
+        </p:spPr>
+      </p:pic>
+      <p:pic>
+        <p:nvPicPr>
+          <p:cNvPr id="7" name="Picture 6">
+            <a:extLst>
+              <a:ext uri="{FF2B5EF4-FFF2-40B4-BE49-F238E27FC236}">
+                <a16:creationId xmlns:a16="http://schemas.microsoft.com/office/drawing/2014/main" id="{D2EB3DA0-79F3-E41F-C87F-13E30C422688}"/>
+              </a:ext>
+            </a:extLst>
+          </p:cNvPr>
+          <p:cNvPicPr>
+            <a:picLocks noChangeAspect="1"/>
+          </p:cNvPicPr>
+          <p:nvPr/>
+        </p:nvPicPr>
+        <p:blipFill>
+          <a:blip r:embed="rId3"/>
+          <a:stretch>
+            <a:fillRect/>
+          </a:stretch>
+        </p:blipFill>
+        <p:spPr>
+          <a:xfrm>
+            <a:off x="628650" y="3697170"/>
+            <a:ext cx="6686550" cy="2479794"/>
+          </a:xfrm>
+          <a:prstGeom prst="rect">
+            <a:avLst/>
+          </a:prstGeom>
+        </p:spPr>
+      </p:pic>
     </p:spTree>
     <p:extLst>
       <p:ext uri="{BB962C8B-B14F-4D97-AF65-F5344CB8AC3E}">
